--- a/Tidyverse presentation 20191218.pptx
+++ b/Tidyverse presentation 20191218.pptx
@@ -8024,6 +8024,14 @@
               </a:rPr>
               <a:t>Xuan Pham – Quan Tran</a:t>
             </a:r>
+            <a:endParaRPr lang="en-US" dirty="0">
+              <a:solidFill>
+                <a:prstClr val="white">
+                  <a:lumMod val="50000"/>
+                </a:prstClr>
+              </a:solidFill>
+              <a:latin typeface="Calibri Light" panose="020F0302020204030204"/>
+            </a:endParaRPr>
           </a:p>
         </p:txBody>
       </p:sp>
@@ -8041,8 +8049,8 @@
         </p:nvSpPr>
         <p:spPr>
           <a:xfrm>
-            <a:off x="439838" y="5304346"/>
-            <a:ext cx="11394916" cy="641648"/>
+            <a:off x="357246" y="5304346"/>
+            <a:ext cx="11477508" cy="641648"/>
           </a:xfrm>
           <a:prstGeom prst="rect">
             <a:avLst/>
@@ -8200,42 +8208,6 @@
           </a:prstGeom>
         </p:spPr>
       </p:pic>
-      <p:pic>
-        <p:nvPicPr>
-          <p:cNvPr id="13" name="Picture 12">
-            <a:extLst>
-              <a:ext uri="{FF2B5EF4-FFF2-40B4-BE49-F238E27FC236}">
-                <a16:creationId xmlns:a16="http://schemas.microsoft.com/office/drawing/2014/main" id="{5D871F86-D3D9-45D1-A944-539E17A5DF9C}"/>
-              </a:ext>
-            </a:extLst>
-          </p:cNvPr>
-          <p:cNvPicPr>
-            <a:picLocks noChangeAspect="1"/>
-          </p:cNvPicPr>
-          <p:nvPr/>
-        </p:nvPicPr>
-        <p:blipFill>
-          <a:blip r:embed="rId4">
-            <a:extLst>
-              <a:ext uri="{28A0092B-C50C-407E-A947-70E740481C1C}">
-                <a14:useLocalDpi xmlns:a14="http://schemas.microsoft.com/office/drawing/2010/main" val="0"/>
-              </a:ext>
-            </a:extLst>
-          </a:blip>
-          <a:stretch>
-            <a:fillRect/>
-          </a:stretch>
-        </p:blipFill>
-        <p:spPr>
-          <a:xfrm>
-            <a:off x="392575" y="428625"/>
-            <a:ext cx="11430000" cy="6000750"/>
-          </a:xfrm>
-          <a:prstGeom prst="rect">
-            <a:avLst/>
-          </a:prstGeom>
-        </p:spPr>
-      </p:pic>
       <p:sp>
         <p:nvSpPr>
           <p:cNvPr id="14" name="Rectangle 13">
@@ -8314,58 +8286,6 @@
               <a:ea typeface="+mn-ea"/>
               <a:cs typeface="+mn-cs"/>
             </a:endParaRPr>
-          </a:p>
-        </p:txBody>
-      </p:sp>
-      <p:sp>
-        <p:nvSpPr>
-          <p:cNvPr id="15" name="Rectangle 14">
-            <a:extLst>
-              <a:ext uri="{FF2B5EF4-FFF2-40B4-BE49-F238E27FC236}">
-                <a16:creationId xmlns:a16="http://schemas.microsoft.com/office/drawing/2014/main" id="{329FE06A-2A26-4055-A2E2-3086306A288D}"/>
-              </a:ext>
-            </a:extLst>
-          </p:cNvPr>
-          <p:cNvSpPr/>
-          <p:nvPr/>
-        </p:nvSpPr>
-        <p:spPr>
-          <a:xfrm>
-            <a:off x="7847635" y="6518681"/>
-            <a:ext cx="3987119" cy="339319"/>
-          </a:xfrm>
-          <a:prstGeom prst="rect">
-            <a:avLst/>
-          </a:prstGeom>
-          <a:solidFill>
-            <a:schemeClr val="bg1"/>
-          </a:solidFill>
-          <a:ln>
-            <a:noFill/>
-          </a:ln>
-        </p:spPr>
-        <p:style>
-          <a:lnRef idx="2">
-            <a:schemeClr val="accent1">
-              <a:shade val="50000"/>
-            </a:schemeClr>
-          </a:lnRef>
-          <a:fillRef idx="1">
-            <a:schemeClr val="accent1"/>
-          </a:fillRef>
-          <a:effectRef idx="0">
-            <a:schemeClr val="accent1"/>
-          </a:effectRef>
-          <a:fontRef idx="minor">
-            <a:schemeClr val="lt1"/>
-          </a:fontRef>
-        </p:style>
-        <p:txBody>
-          <a:bodyPr rtlCol="0" anchor="ctr"/>
-          <a:lstStyle/>
-          <a:p>
-            <a:pPr algn="ctr"/>
-            <a:endParaRPr lang="en-US"/>
           </a:p>
         </p:txBody>
       </p:sp>
@@ -8530,94 +8450,6 @@
                       </p:childTnLst>
                     </p:cTn>
                   </p:par>
-                  <p:par>
-                    <p:cTn id="15" fill="hold">
-                      <p:stCondLst>
-                        <p:cond delay="indefinite"/>
-                      </p:stCondLst>
-                      <p:childTnLst>
-                        <p:par>
-                          <p:cTn id="16" fill="hold">
-                            <p:stCondLst>
-                              <p:cond delay="0"/>
-                            </p:stCondLst>
-                            <p:childTnLst>
-                              <p:par>
-                                <p:cTn id="17" presetID="22" presetClass="exit" presetSubtype="1" fill="hold" nodeType="clickEffect">
-                                  <p:stCondLst>
-                                    <p:cond delay="0"/>
-                                  </p:stCondLst>
-                                  <p:childTnLst>
-                                    <p:animEffect transition="out" filter="wipe(up)">
-                                      <p:cBhvr>
-                                        <p:cTn id="18" dur="500"/>
-                                        <p:tgtEl>
-                                          <p:spTgt spid="13"/>
-                                        </p:tgtEl>
-                                      </p:cBhvr>
-                                    </p:animEffect>
-                                    <p:set>
-                                      <p:cBhvr>
-                                        <p:cTn id="19" dur="1" fill="hold">
-                                          <p:stCondLst>
-                                            <p:cond delay="499"/>
-                                          </p:stCondLst>
-                                        </p:cTn>
-                                        <p:tgtEl>
-                                          <p:spTgt spid="13"/>
-                                        </p:tgtEl>
-                                        <p:attrNameLst>
-                                          <p:attrName>style.visibility</p:attrName>
-                                        </p:attrNameLst>
-                                      </p:cBhvr>
-                                      <p:to>
-                                        <p:strVal val="hidden"/>
-                                      </p:to>
-                                    </p:set>
-                                  </p:childTnLst>
-                                </p:cTn>
-                              </p:par>
-                              <p:par>
-                                <p:cTn id="20" presetID="22" presetClass="exit" presetSubtype="1" fill="hold" grpId="0" nodeType="withEffect">
-                                  <p:stCondLst>
-                                    <p:cond delay="0"/>
-                                  </p:stCondLst>
-                                  <p:childTnLst>
-                                    <p:animEffect transition="out" filter="wipe(up)">
-                                      <p:cBhvr>
-                                        <p:cTn id="21" dur="500"/>
-                                        <p:tgtEl>
-                                          <p:spTgt spid="15"/>
-                                        </p:tgtEl>
-                                      </p:cBhvr>
-                                    </p:animEffect>
-                                    <p:set>
-                                      <p:cBhvr>
-                                        <p:cTn id="22" dur="1" fill="hold">
-                                          <p:stCondLst>
-                                            <p:cond delay="499"/>
-                                          </p:stCondLst>
-                                        </p:cTn>
-                                        <p:tgtEl>
-                                          <p:spTgt spid="15"/>
-                                        </p:tgtEl>
-                                        <p:attrNameLst>
-                                          <p:attrName>style.visibility</p:attrName>
-                                        </p:attrNameLst>
-                                      </p:cBhvr>
-                                      <p:to>
-                                        <p:strVal val="hidden"/>
-                                      </p:to>
-                                    </p:set>
-                                  </p:childTnLst>
-                                </p:cTn>
-                              </p:par>
-                            </p:childTnLst>
-                          </p:cTn>
-                        </p:par>
-                      </p:childTnLst>
-                    </p:cTn>
-                  </p:par>
                 </p:childTnLst>
               </p:cTn>
               <p:prevCondLst>
@@ -8642,7 +8474,6 @@
     <p:bldLst>
       <p:bldP spid="9" grpId="0" animBg="1"/>
       <p:bldP spid="6" grpId="0" build="p"/>
-      <p:bldP spid="15" grpId="0" animBg="1"/>
     </p:bldLst>
   </p:timing>
 </p:sld>
@@ -12050,7 +11881,7 @@
         </p:nvSpPr>
         <p:spPr>
           <a:xfrm>
-            <a:off x="2987040" y="4587240"/>
+            <a:off x="3192779" y="4587240"/>
             <a:ext cx="5806440" cy="707886"/>
           </a:xfrm>
           <a:prstGeom prst="rect">
@@ -12073,6 +11904,54 @@
                 <a:latin typeface="Segoe Script" panose="030B0504020000000003" pitchFamily="66" charset="0"/>
               </a:rPr>
               <a:t>Thank you</a:t>
+            </a:r>
+          </a:p>
+        </p:txBody>
+      </p:sp>
+      <p:sp>
+        <p:nvSpPr>
+          <p:cNvPr id="2" name="Rectangle 1">
+            <a:extLst>
+              <a:ext uri="{FF2B5EF4-FFF2-40B4-BE49-F238E27FC236}">
+                <a16:creationId xmlns:a16="http://schemas.microsoft.com/office/drawing/2014/main" id="{AEA41B42-0A5F-4269-B425-1A4ADE169427}"/>
+              </a:ext>
+            </a:extLst>
+          </p:cNvPr>
+          <p:cNvSpPr/>
+          <p:nvPr/>
+        </p:nvSpPr>
+        <p:spPr>
+          <a:xfrm>
+            <a:off x="3076679" y="5978657"/>
+            <a:ext cx="6038640" cy="338554"/>
+          </a:xfrm>
+          <a:prstGeom prst="rect">
+            <a:avLst/>
+          </a:prstGeom>
+          <a:solidFill>
+            <a:srgbClr val="141227"/>
+          </a:solidFill>
+        </p:spPr>
+        <p:txBody>
+          <a:bodyPr wrap="none">
+            <a:spAutoFit/>
+          </a:bodyPr>
+          <a:lstStyle/>
+          <a:p>
+            <a:pPr lvl="0" algn="ctr">
+              <a:spcBef>
+                <a:spcPts val="600"/>
+              </a:spcBef>
+              <a:defRPr/>
+            </a:pPr>
+            <a:r>
+              <a:rPr lang="en-US" sz="1600" dirty="0">
+                <a:solidFill>
+                  <a:schemeClr val="bg1"/>
+                </a:solidFill>
+                <a:latin typeface="Calibri Light" panose="020F0302020204030204"/>
+              </a:rPr>
+              <a:t>For any further discussion, contact me at email: ptlxuan.89@gmail.com</a:t>
             </a:r>
           </a:p>
         </p:txBody>
